--- a/apresentacaoWorkshop.pptx
+++ b/apresentacaoWorkshop.pptx
@@ -4830,8 +4830,8 @@
         </p:nvSpPr>
         <p:spPr>
           <a:xfrm>
-            <a:off x="4327301" y="2331076"/>
-            <a:ext cx="4095482" cy="3416320"/>
+            <a:off x="4456090" y="2305318"/>
+            <a:ext cx="4095482" cy="2308324"/>
           </a:xfrm>
           <a:prstGeom prst="rect">
             <a:avLst/>
@@ -4875,25 +4875,7 @@
               <a:rPr lang="pt-BR" dirty="0" smtClean="0">
                 <a:hlinkClick r:id="rId3"/>
               </a:rPr>
-              <a:t>drive.google.com/drive/folders/1t2UfS9EHKGFBdDXnDmBYEEWjLg5OdeBk?usp=sharing</a:t>
-            </a:r>
-            <a:endParaRPr lang="pt-BR" dirty="0" smtClean="0"/>
-          </a:p>
-          <a:p>
-            <a:endParaRPr lang="pt-BR" dirty="0"/>
-          </a:p>
-          <a:p>
-            <a:r>
-              <a:rPr lang="pt-BR" dirty="0">
-                <a:hlinkClick r:id="rId4"/>
-              </a:rPr>
-              <a:t>https://</a:t>
-            </a:r>
-            <a:r>
-              <a:rPr lang="pt-BR" dirty="0" smtClean="0">
-                <a:hlinkClick r:id="rId4"/>
-              </a:rPr>
-              <a:t>github.com/Kaioiva/Workshop-IECD.git</a:t>
+              <a:t>github.com/Kaioiva/Workshop-IECD</a:t>
             </a:r>
             <a:endParaRPr lang="pt-BR" dirty="0" smtClean="0"/>
           </a:p>
@@ -5530,7 +5512,7 @@
         </p:blipFill>
         <p:spPr>
           <a:xfrm>
-            <a:off x="3061145" y="2266682"/>
+            <a:off x="3434632" y="2266682"/>
             <a:ext cx="4460117" cy="4189743"/>
           </a:xfrm>
           <a:prstGeom prst="rect">
@@ -5809,7 +5791,7 @@
         </p:blipFill>
         <p:spPr>
           <a:xfrm>
-            <a:off x="5168252" y="2553494"/>
+            <a:off x="5902348" y="2553494"/>
             <a:ext cx="3057525" cy="2895600"/>
           </a:xfrm>
           <a:prstGeom prst="rect">
